--- a/Модульный экзамен/ПМ.01.pptx
+++ b/Модульный экзамен/ПМ.01.pptx
@@ -4,6 +4,9 @@
   <p:sldMasterIdLst>
     <p:sldMasterId id="2147483648" r:id="rId1"/>
   </p:sldMasterIdLst>
+  <p:notesMasterIdLst>
+    <p:notesMasterId r:id="rId17"/>
+  </p:notesMasterIdLst>
   <p:sldIdLst>
     <p:sldId id="256" r:id="rId2"/>
     <p:sldId id="258" r:id="rId3"/>
@@ -126,6 +129,524 @@
 </p:presentation>
 </file>
 
+<file path=ppt/notesMasters/notesMaster1.xml><?xml version="1.0" encoding="utf-8"?>
+<p:notesMaster xmlns:a="http://schemas.openxmlformats.org/drawingml/2006/main" xmlns:r="http://schemas.openxmlformats.org/officeDocument/2006/relationships" xmlns:p="http://schemas.openxmlformats.org/presentationml/2006/main">
+  <p:cSld>
+    <p:bg>
+      <p:bgRef idx="1001">
+        <a:schemeClr val="bg1"/>
+      </p:bgRef>
+    </p:bg>
+    <p:spTree>
+      <p:nvGrpSpPr>
+        <p:cNvPr id="1" name=""/>
+        <p:cNvGrpSpPr/>
+        <p:nvPr/>
+      </p:nvGrpSpPr>
+      <p:grpSpPr>
+        <a:xfrm>
+          <a:off x="0" y="0"/>
+          <a:ext cx="0" cy="0"/>
+          <a:chOff x="0" y="0"/>
+          <a:chExt cx="0" cy="0"/>
+        </a:xfrm>
+      </p:grpSpPr>
+      <p:sp>
+        <p:nvSpPr>
+          <p:cNvPr id="2" name="Верхний колонтитул 1"/>
+          <p:cNvSpPr>
+            <a:spLocks noGrp="1"/>
+          </p:cNvSpPr>
+          <p:nvPr>
+            <p:ph type="hdr" sz="quarter"/>
+          </p:nvPr>
+        </p:nvSpPr>
+        <p:spPr>
+          <a:xfrm>
+            <a:off x="0" y="0"/>
+            <a:ext cx="2971800" cy="458788"/>
+          </a:xfrm>
+          <a:prstGeom prst="rect">
+            <a:avLst/>
+          </a:prstGeom>
+        </p:spPr>
+        <p:txBody>
+          <a:bodyPr vert="horz" lIns="91440" tIns="45720" rIns="91440" bIns="45720" rtlCol="0"/>
+          <a:lstStyle>
+            <a:lvl1pPr algn="l">
+              <a:defRPr sz="1200"/>
+            </a:lvl1pPr>
+          </a:lstStyle>
+          <a:p>
+            <a:endParaRPr lang="ru-RU"/>
+          </a:p>
+        </p:txBody>
+      </p:sp>
+      <p:sp>
+        <p:nvSpPr>
+          <p:cNvPr id="3" name="Дата 2"/>
+          <p:cNvSpPr>
+            <a:spLocks noGrp="1"/>
+          </p:cNvSpPr>
+          <p:nvPr>
+            <p:ph type="dt" idx="1"/>
+          </p:nvPr>
+        </p:nvSpPr>
+        <p:spPr>
+          <a:xfrm>
+            <a:off x="3884613" y="0"/>
+            <a:ext cx="2971800" cy="458788"/>
+          </a:xfrm>
+          <a:prstGeom prst="rect">
+            <a:avLst/>
+          </a:prstGeom>
+        </p:spPr>
+        <p:txBody>
+          <a:bodyPr vert="horz" lIns="91440" tIns="45720" rIns="91440" bIns="45720" rtlCol="0"/>
+          <a:lstStyle>
+            <a:lvl1pPr algn="r">
+              <a:defRPr sz="1200"/>
+            </a:lvl1pPr>
+          </a:lstStyle>
+          <a:p>
+            <a:fld id="{D40794B7-DF63-4C37-8014-00CB1DEBB72F}" type="datetimeFigureOut">
+              <a:rPr lang="ru-RU" smtClean="0"/>
+              <a:t>03.07.2020</a:t>
+            </a:fld>
+            <a:endParaRPr lang="ru-RU"/>
+          </a:p>
+        </p:txBody>
+      </p:sp>
+      <p:sp>
+        <p:nvSpPr>
+          <p:cNvPr id="4" name="Образ слайда 3"/>
+          <p:cNvSpPr>
+            <a:spLocks noGrp="1" noRot="1" noChangeAspect="1"/>
+          </p:cNvSpPr>
+          <p:nvPr>
+            <p:ph type="sldImg" idx="2"/>
+          </p:nvPr>
+        </p:nvSpPr>
+        <p:spPr>
+          <a:xfrm>
+            <a:off x="685800" y="1143000"/>
+            <a:ext cx="5486400" cy="3086100"/>
+          </a:xfrm>
+          <a:prstGeom prst="rect">
+            <a:avLst/>
+          </a:prstGeom>
+          <a:noFill/>
+          <a:ln w="12700">
+            <a:solidFill>
+              <a:prstClr val="black"/>
+            </a:solidFill>
+          </a:ln>
+        </p:spPr>
+        <p:txBody>
+          <a:bodyPr vert="horz" lIns="91440" tIns="45720" rIns="91440" bIns="45720" rtlCol="0" anchor="ctr"/>
+          <a:lstStyle/>
+          <a:p>
+            <a:endParaRPr lang="ru-RU"/>
+          </a:p>
+        </p:txBody>
+      </p:sp>
+      <p:sp>
+        <p:nvSpPr>
+          <p:cNvPr id="5" name="Заметки 4"/>
+          <p:cNvSpPr>
+            <a:spLocks noGrp="1"/>
+          </p:cNvSpPr>
+          <p:nvPr>
+            <p:ph type="body" sz="quarter" idx="3"/>
+          </p:nvPr>
+        </p:nvSpPr>
+        <p:spPr>
+          <a:xfrm>
+            <a:off x="685800" y="4400550"/>
+            <a:ext cx="5486400" cy="3600450"/>
+          </a:xfrm>
+          <a:prstGeom prst="rect">
+            <a:avLst/>
+          </a:prstGeom>
+        </p:spPr>
+        <p:txBody>
+          <a:bodyPr vert="horz" lIns="91440" tIns="45720" rIns="91440" bIns="45720" rtlCol="0"/>
+          <a:lstStyle/>
+          <a:p>
+            <a:pPr lvl="0"/>
+            <a:r>
+              <a:rPr lang="ru-RU" smtClean="0"/>
+              <a:t>Образец текста</a:t>
+            </a:r>
+          </a:p>
+          <a:p>
+            <a:pPr lvl="1"/>
+            <a:r>
+              <a:rPr lang="ru-RU" smtClean="0"/>
+              <a:t>Второй уровень</a:t>
+            </a:r>
+          </a:p>
+          <a:p>
+            <a:pPr lvl="2"/>
+            <a:r>
+              <a:rPr lang="ru-RU" smtClean="0"/>
+              <a:t>Третий уровень</a:t>
+            </a:r>
+          </a:p>
+          <a:p>
+            <a:pPr lvl="3"/>
+            <a:r>
+              <a:rPr lang="ru-RU" smtClean="0"/>
+              <a:t>Четвертый уровень</a:t>
+            </a:r>
+          </a:p>
+          <a:p>
+            <a:pPr lvl="4"/>
+            <a:r>
+              <a:rPr lang="ru-RU" smtClean="0"/>
+              <a:t>Пятый уровень</a:t>
+            </a:r>
+            <a:endParaRPr lang="ru-RU"/>
+          </a:p>
+        </p:txBody>
+      </p:sp>
+      <p:sp>
+        <p:nvSpPr>
+          <p:cNvPr id="6" name="Нижний колонтитул 5"/>
+          <p:cNvSpPr>
+            <a:spLocks noGrp="1"/>
+          </p:cNvSpPr>
+          <p:nvPr>
+            <p:ph type="ftr" sz="quarter" idx="4"/>
+          </p:nvPr>
+        </p:nvSpPr>
+        <p:spPr>
+          <a:xfrm>
+            <a:off x="0" y="8685213"/>
+            <a:ext cx="2971800" cy="458787"/>
+          </a:xfrm>
+          <a:prstGeom prst="rect">
+            <a:avLst/>
+          </a:prstGeom>
+        </p:spPr>
+        <p:txBody>
+          <a:bodyPr vert="horz" lIns="91440" tIns="45720" rIns="91440" bIns="45720" rtlCol="0" anchor="b"/>
+          <a:lstStyle>
+            <a:lvl1pPr algn="l">
+              <a:defRPr sz="1200"/>
+            </a:lvl1pPr>
+          </a:lstStyle>
+          <a:p>
+            <a:endParaRPr lang="ru-RU"/>
+          </a:p>
+        </p:txBody>
+      </p:sp>
+      <p:sp>
+        <p:nvSpPr>
+          <p:cNvPr id="7" name="Номер слайда 6"/>
+          <p:cNvSpPr>
+            <a:spLocks noGrp="1"/>
+          </p:cNvSpPr>
+          <p:nvPr>
+            <p:ph type="sldNum" sz="quarter" idx="5"/>
+          </p:nvPr>
+        </p:nvSpPr>
+        <p:spPr>
+          <a:xfrm>
+            <a:off x="3884613" y="8685213"/>
+            <a:ext cx="2971800" cy="458787"/>
+          </a:xfrm>
+          <a:prstGeom prst="rect">
+            <a:avLst/>
+          </a:prstGeom>
+        </p:spPr>
+        <p:txBody>
+          <a:bodyPr vert="horz" lIns="91440" tIns="45720" rIns="91440" bIns="45720" rtlCol="0" anchor="b"/>
+          <a:lstStyle>
+            <a:lvl1pPr algn="r">
+              <a:defRPr sz="1200"/>
+            </a:lvl1pPr>
+          </a:lstStyle>
+          <a:p>
+            <a:fld id="{3339A153-77E7-4CF9-BD9F-239BE81F3587}" type="slidenum">
+              <a:rPr lang="ru-RU" smtClean="0"/>
+              <a:t>‹#›</a:t>
+            </a:fld>
+            <a:endParaRPr lang="ru-RU"/>
+          </a:p>
+        </p:txBody>
+      </p:sp>
+    </p:spTree>
+    <p:extLst>
+      <p:ext uri="{BB962C8B-B14F-4D97-AF65-F5344CB8AC3E}">
+        <p14:creationId xmlns:p14="http://schemas.microsoft.com/office/powerpoint/2010/main" val="2506411492"/>
+      </p:ext>
+    </p:extLst>
+  </p:cSld>
+  <p:clrMap bg1="lt1" tx1="dk1" bg2="lt2" tx2="dk2" accent1="accent1" accent2="accent2" accent3="accent3" accent4="accent4" accent5="accent5" accent6="accent6" hlink="hlink" folHlink="folHlink"/>
+  <p:notesStyle>
+    <a:lvl1pPr marL="0" algn="l" defTabSz="914400" rtl="0" eaLnBrk="1" latinLnBrk="0" hangingPunct="1">
+      <a:defRPr sz="1200" kern="1200">
+        <a:solidFill>
+          <a:schemeClr val="tx1"/>
+        </a:solidFill>
+        <a:latin typeface="+mn-lt"/>
+        <a:ea typeface="+mn-ea"/>
+        <a:cs typeface="+mn-cs"/>
+      </a:defRPr>
+    </a:lvl1pPr>
+    <a:lvl2pPr marL="457200" algn="l" defTabSz="914400" rtl="0" eaLnBrk="1" latinLnBrk="0" hangingPunct="1">
+      <a:defRPr sz="1200" kern="1200">
+        <a:solidFill>
+          <a:schemeClr val="tx1"/>
+        </a:solidFill>
+        <a:latin typeface="+mn-lt"/>
+        <a:ea typeface="+mn-ea"/>
+        <a:cs typeface="+mn-cs"/>
+      </a:defRPr>
+    </a:lvl2pPr>
+    <a:lvl3pPr marL="914400" algn="l" defTabSz="914400" rtl="0" eaLnBrk="1" latinLnBrk="0" hangingPunct="1">
+      <a:defRPr sz="1200" kern="1200">
+        <a:solidFill>
+          <a:schemeClr val="tx1"/>
+        </a:solidFill>
+        <a:latin typeface="+mn-lt"/>
+        <a:ea typeface="+mn-ea"/>
+        <a:cs typeface="+mn-cs"/>
+      </a:defRPr>
+    </a:lvl3pPr>
+    <a:lvl4pPr marL="1371600" algn="l" defTabSz="914400" rtl="0" eaLnBrk="1" latinLnBrk="0" hangingPunct="1">
+      <a:defRPr sz="1200" kern="1200">
+        <a:solidFill>
+          <a:schemeClr val="tx1"/>
+        </a:solidFill>
+        <a:latin typeface="+mn-lt"/>
+        <a:ea typeface="+mn-ea"/>
+        <a:cs typeface="+mn-cs"/>
+      </a:defRPr>
+    </a:lvl4pPr>
+    <a:lvl5pPr marL="1828800" algn="l" defTabSz="914400" rtl="0" eaLnBrk="1" latinLnBrk="0" hangingPunct="1">
+      <a:defRPr sz="1200" kern="1200">
+        <a:solidFill>
+          <a:schemeClr val="tx1"/>
+        </a:solidFill>
+        <a:latin typeface="+mn-lt"/>
+        <a:ea typeface="+mn-ea"/>
+        <a:cs typeface="+mn-cs"/>
+      </a:defRPr>
+    </a:lvl5pPr>
+    <a:lvl6pPr marL="2286000" algn="l" defTabSz="914400" rtl="0" eaLnBrk="1" latinLnBrk="0" hangingPunct="1">
+      <a:defRPr sz="1200" kern="1200">
+        <a:solidFill>
+          <a:schemeClr val="tx1"/>
+        </a:solidFill>
+        <a:latin typeface="+mn-lt"/>
+        <a:ea typeface="+mn-ea"/>
+        <a:cs typeface="+mn-cs"/>
+      </a:defRPr>
+    </a:lvl6pPr>
+    <a:lvl7pPr marL="2743200" algn="l" defTabSz="914400" rtl="0" eaLnBrk="1" latinLnBrk="0" hangingPunct="1">
+      <a:defRPr sz="1200" kern="1200">
+        <a:solidFill>
+          <a:schemeClr val="tx1"/>
+        </a:solidFill>
+        <a:latin typeface="+mn-lt"/>
+        <a:ea typeface="+mn-ea"/>
+        <a:cs typeface="+mn-cs"/>
+      </a:defRPr>
+    </a:lvl7pPr>
+    <a:lvl8pPr marL="3200400" algn="l" defTabSz="914400" rtl="0" eaLnBrk="1" latinLnBrk="0" hangingPunct="1">
+      <a:defRPr sz="1200" kern="1200">
+        <a:solidFill>
+          <a:schemeClr val="tx1"/>
+        </a:solidFill>
+        <a:latin typeface="+mn-lt"/>
+        <a:ea typeface="+mn-ea"/>
+        <a:cs typeface="+mn-cs"/>
+      </a:defRPr>
+    </a:lvl8pPr>
+    <a:lvl9pPr marL="3657600" algn="l" defTabSz="914400" rtl="0" eaLnBrk="1" latinLnBrk="0" hangingPunct="1">
+      <a:defRPr sz="1200" kern="1200">
+        <a:solidFill>
+          <a:schemeClr val="tx1"/>
+        </a:solidFill>
+        <a:latin typeface="+mn-lt"/>
+        <a:ea typeface="+mn-ea"/>
+        <a:cs typeface="+mn-cs"/>
+      </a:defRPr>
+    </a:lvl9pPr>
+  </p:notesStyle>
+</p:notesMaster>
+</file>
+
+<file path=ppt/notesSlides/notesSlide1.xml><?xml version="1.0" encoding="utf-8"?>
+<p:notes xmlns:a="http://schemas.openxmlformats.org/drawingml/2006/main" xmlns:r="http://schemas.openxmlformats.org/officeDocument/2006/relationships" xmlns:p="http://schemas.openxmlformats.org/presentationml/2006/main">
+  <p:cSld>
+    <p:spTree>
+      <p:nvGrpSpPr>
+        <p:cNvPr id="1" name=""/>
+        <p:cNvGrpSpPr/>
+        <p:nvPr/>
+      </p:nvGrpSpPr>
+      <p:grpSpPr>
+        <a:xfrm>
+          <a:off x="0" y="0"/>
+          <a:ext cx="0" cy="0"/>
+          <a:chOff x="0" y="0"/>
+          <a:chExt cx="0" cy="0"/>
+        </a:xfrm>
+      </p:grpSpPr>
+      <p:sp>
+        <p:nvSpPr>
+          <p:cNvPr id="2" name="Образ слайда 1"/>
+          <p:cNvSpPr>
+            <a:spLocks noGrp="1" noRot="1" noChangeAspect="1"/>
+          </p:cNvSpPr>
+          <p:nvPr>
+            <p:ph type="sldImg"/>
+          </p:nvPr>
+        </p:nvSpPr>
+        <p:spPr/>
+      </p:sp>
+      <p:sp>
+        <p:nvSpPr>
+          <p:cNvPr id="3" name="Заметки 2"/>
+          <p:cNvSpPr>
+            <a:spLocks noGrp="1"/>
+          </p:cNvSpPr>
+          <p:nvPr>
+            <p:ph type="body" idx="1"/>
+          </p:nvPr>
+        </p:nvSpPr>
+        <p:spPr/>
+        <p:txBody>
+          <a:bodyPr/>
+          <a:lstStyle/>
+          <a:p>
+            <a:endParaRPr lang="ru-RU" dirty="0"/>
+          </a:p>
+        </p:txBody>
+      </p:sp>
+      <p:sp>
+        <p:nvSpPr>
+          <p:cNvPr id="4" name="Номер слайда 3"/>
+          <p:cNvSpPr>
+            <a:spLocks noGrp="1"/>
+          </p:cNvSpPr>
+          <p:nvPr>
+            <p:ph type="sldNum" sz="quarter" idx="10"/>
+          </p:nvPr>
+        </p:nvSpPr>
+        <p:spPr/>
+        <p:txBody>
+          <a:bodyPr/>
+          <a:lstStyle/>
+          <a:p>
+            <a:fld id="{3339A153-77E7-4CF9-BD9F-239BE81F3587}" type="slidenum">
+              <a:rPr lang="ru-RU" smtClean="0"/>
+              <a:t>1</a:t>
+            </a:fld>
+            <a:endParaRPr lang="ru-RU"/>
+          </a:p>
+        </p:txBody>
+      </p:sp>
+    </p:spTree>
+    <p:extLst>
+      <p:ext uri="{BB962C8B-B14F-4D97-AF65-F5344CB8AC3E}">
+        <p14:creationId xmlns:p14="http://schemas.microsoft.com/office/powerpoint/2010/main" val="2104164096"/>
+      </p:ext>
+    </p:extLst>
+  </p:cSld>
+  <p:clrMapOvr>
+    <a:masterClrMapping/>
+  </p:clrMapOvr>
+</p:notes>
+</file>
+
+<file path=ppt/notesSlides/notesSlide2.xml><?xml version="1.0" encoding="utf-8"?>
+<p:notes xmlns:a="http://schemas.openxmlformats.org/drawingml/2006/main" xmlns:r="http://schemas.openxmlformats.org/officeDocument/2006/relationships" xmlns:p="http://schemas.openxmlformats.org/presentationml/2006/main">
+  <p:cSld>
+    <p:spTree>
+      <p:nvGrpSpPr>
+        <p:cNvPr id="1" name=""/>
+        <p:cNvGrpSpPr/>
+        <p:nvPr/>
+      </p:nvGrpSpPr>
+      <p:grpSpPr>
+        <a:xfrm>
+          <a:off x="0" y="0"/>
+          <a:ext cx="0" cy="0"/>
+          <a:chOff x="0" y="0"/>
+          <a:chExt cx="0" cy="0"/>
+        </a:xfrm>
+      </p:grpSpPr>
+      <p:sp>
+        <p:nvSpPr>
+          <p:cNvPr id="2" name="Образ слайда 1"/>
+          <p:cNvSpPr>
+            <a:spLocks noGrp="1" noRot="1" noChangeAspect="1"/>
+          </p:cNvSpPr>
+          <p:nvPr>
+            <p:ph type="sldImg"/>
+          </p:nvPr>
+        </p:nvSpPr>
+        <p:spPr/>
+      </p:sp>
+      <p:sp>
+        <p:nvSpPr>
+          <p:cNvPr id="3" name="Заметки 2"/>
+          <p:cNvSpPr>
+            <a:spLocks noGrp="1"/>
+          </p:cNvSpPr>
+          <p:nvPr>
+            <p:ph type="body" idx="1"/>
+          </p:nvPr>
+        </p:nvSpPr>
+        <p:spPr/>
+        <p:txBody>
+          <a:bodyPr/>
+          <a:lstStyle/>
+          <a:p>
+            <a:endParaRPr lang="ru-RU" dirty="0"/>
+          </a:p>
+        </p:txBody>
+      </p:sp>
+      <p:sp>
+        <p:nvSpPr>
+          <p:cNvPr id="4" name="Номер слайда 3"/>
+          <p:cNvSpPr>
+            <a:spLocks noGrp="1"/>
+          </p:cNvSpPr>
+          <p:nvPr>
+            <p:ph type="sldNum" sz="quarter" idx="10"/>
+          </p:nvPr>
+        </p:nvSpPr>
+        <p:spPr/>
+        <p:txBody>
+          <a:bodyPr/>
+          <a:lstStyle/>
+          <a:p>
+            <a:fld id="{3339A153-77E7-4CF9-BD9F-239BE81F3587}" type="slidenum">
+              <a:rPr lang="ru-RU" smtClean="0"/>
+              <a:t>4</a:t>
+            </a:fld>
+            <a:endParaRPr lang="ru-RU"/>
+          </a:p>
+        </p:txBody>
+      </p:sp>
+    </p:spTree>
+    <p:extLst>
+      <p:ext uri="{BB962C8B-B14F-4D97-AF65-F5344CB8AC3E}">
+        <p14:creationId xmlns:p14="http://schemas.microsoft.com/office/powerpoint/2010/main" val="3547503181"/>
+      </p:ext>
+    </p:extLst>
+  </p:cSld>
+  <p:clrMapOvr>
+    <a:masterClrMapping/>
+  </p:clrMapOvr>
+</p:notes>
+</file>
+
 <file path=ppt/slideLayouts/slideLayout1.xml><?xml version="1.0" encoding="utf-8"?>
 <p:sldLayout xmlns:a="http://schemas.openxmlformats.org/drawingml/2006/main" xmlns:r="http://schemas.openxmlformats.org/officeDocument/2006/relationships" xmlns:p="http://schemas.openxmlformats.org/presentationml/2006/main" type="title" preserve="1">
   <p:cSld name="Титульный слайд">
@@ -257,7 +778,7 @@
           <a:p>
             <a:fld id="{DBD87873-2218-46A3-BCB5-39FF42FB79C9}" type="datetimeFigureOut">
               <a:rPr lang="ru-RU" smtClean="0"/>
-              <a:t>02.07.2020</a:t>
+              <a:t>03.07.2020</a:t>
             </a:fld>
             <a:endParaRPr lang="ru-RU"/>
           </a:p>
@@ -427,7 +948,7 @@
           <a:p>
             <a:fld id="{DBD87873-2218-46A3-BCB5-39FF42FB79C9}" type="datetimeFigureOut">
               <a:rPr lang="ru-RU" smtClean="0"/>
-              <a:t>02.07.2020</a:t>
+              <a:t>03.07.2020</a:t>
             </a:fld>
             <a:endParaRPr lang="ru-RU"/>
           </a:p>
@@ -607,7 +1128,7 @@
           <a:p>
             <a:fld id="{DBD87873-2218-46A3-BCB5-39FF42FB79C9}" type="datetimeFigureOut">
               <a:rPr lang="ru-RU" smtClean="0"/>
-              <a:t>02.07.2020</a:t>
+              <a:t>03.07.2020</a:t>
             </a:fld>
             <a:endParaRPr lang="ru-RU"/>
           </a:p>
@@ -777,7 +1298,7 @@
           <a:p>
             <a:fld id="{DBD87873-2218-46A3-BCB5-39FF42FB79C9}" type="datetimeFigureOut">
               <a:rPr lang="ru-RU" smtClean="0"/>
-              <a:t>02.07.2020</a:t>
+              <a:t>03.07.2020</a:t>
             </a:fld>
             <a:endParaRPr lang="ru-RU"/>
           </a:p>
@@ -1023,7 +1544,7 @@
           <a:p>
             <a:fld id="{DBD87873-2218-46A3-BCB5-39FF42FB79C9}" type="datetimeFigureOut">
               <a:rPr lang="ru-RU" smtClean="0"/>
-              <a:t>02.07.2020</a:t>
+              <a:t>03.07.2020</a:t>
             </a:fld>
             <a:endParaRPr lang="ru-RU"/>
           </a:p>
@@ -1255,7 +1776,7 @@
           <a:p>
             <a:fld id="{DBD87873-2218-46A3-BCB5-39FF42FB79C9}" type="datetimeFigureOut">
               <a:rPr lang="ru-RU" smtClean="0"/>
-              <a:t>02.07.2020</a:t>
+              <a:t>03.07.2020</a:t>
             </a:fld>
             <a:endParaRPr lang="ru-RU"/>
           </a:p>
@@ -1622,7 +2143,7 @@
           <a:p>
             <a:fld id="{DBD87873-2218-46A3-BCB5-39FF42FB79C9}" type="datetimeFigureOut">
               <a:rPr lang="ru-RU" smtClean="0"/>
-              <a:t>02.07.2020</a:t>
+              <a:t>03.07.2020</a:t>
             </a:fld>
             <a:endParaRPr lang="ru-RU"/>
           </a:p>
@@ -1740,7 +2261,7 @@
           <a:p>
             <a:fld id="{DBD87873-2218-46A3-BCB5-39FF42FB79C9}" type="datetimeFigureOut">
               <a:rPr lang="ru-RU" smtClean="0"/>
-              <a:t>02.07.2020</a:t>
+              <a:t>03.07.2020</a:t>
             </a:fld>
             <a:endParaRPr lang="ru-RU"/>
           </a:p>
@@ -1835,7 +2356,7 @@
           <a:p>
             <a:fld id="{DBD87873-2218-46A3-BCB5-39FF42FB79C9}" type="datetimeFigureOut">
               <a:rPr lang="ru-RU" smtClean="0"/>
-              <a:t>02.07.2020</a:t>
+              <a:t>03.07.2020</a:t>
             </a:fld>
             <a:endParaRPr lang="ru-RU"/>
           </a:p>
@@ -2112,7 +2633,7 @@
           <a:p>
             <a:fld id="{DBD87873-2218-46A3-BCB5-39FF42FB79C9}" type="datetimeFigureOut">
               <a:rPr lang="ru-RU" smtClean="0"/>
-              <a:t>02.07.2020</a:t>
+              <a:t>03.07.2020</a:t>
             </a:fld>
             <a:endParaRPr lang="ru-RU"/>
           </a:p>
@@ -2365,7 +2886,7 @@
           <a:p>
             <a:fld id="{DBD87873-2218-46A3-BCB5-39FF42FB79C9}" type="datetimeFigureOut">
               <a:rPr lang="ru-RU" smtClean="0"/>
-              <a:t>02.07.2020</a:t>
+              <a:t>03.07.2020</a:t>
             </a:fld>
             <a:endParaRPr lang="ru-RU"/>
           </a:p>
@@ -2578,7 +3099,7 @@
           <a:p>
             <a:fld id="{DBD87873-2218-46A3-BCB5-39FF42FB79C9}" type="datetimeFigureOut">
               <a:rPr lang="ru-RU" smtClean="0"/>
-              <a:t>02.07.2020</a:t>
+              <a:t>03.07.2020</a:t>
             </a:fld>
             <a:endParaRPr lang="ru-RU"/>
           </a:p>
@@ -3044,7 +3565,36 @@
                 <a:latin typeface="Times New Roman" panose="02020603050405020304" pitchFamily="18" charset="0"/>
                 <a:cs typeface="Times New Roman" panose="02020603050405020304" pitchFamily="18" charset="0"/>
               </a:rPr>
-              <a:t>По модулю ПМ.01 «Разработка программных модулей программного обеспечения для компьютерных систем»</a:t>
+              <a:t>По модулю ПМ.01 «Разработка программных модулей программного обеспечения для компьютерных систем</a:t>
+            </a:r>
+            <a:r>
+              <a:rPr lang="ru-RU" sz="4800" dirty="0" smtClean="0">
+                <a:solidFill>
+                  <a:schemeClr val="bg1"/>
+                </a:solidFill>
+                <a:latin typeface="Times New Roman" panose="02020603050405020304" pitchFamily="18" charset="0"/>
+                <a:cs typeface="Times New Roman" panose="02020603050405020304" pitchFamily="18" charset="0"/>
+              </a:rPr>
+              <a:t>»</a:t>
+            </a:r>
+            <a:br>
+              <a:rPr lang="ru-RU" sz="4800" dirty="0" smtClean="0">
+                <a:solidFill>
+                  <a:schemeClr val="bg1"/>
+                </a:solidFill>
+                <a:latin typeface="Times New Roman" panose="02020603050405020304" pitchFamily="18" charset="0"/>
+                <a:cs typeface="Times New Roman" panose="02020603050405020304" pitchFamily="18" charset="0"/>
+              </a:rPr>
+            </a:br>
+            <a:r>
+              <a:rPr lang="ru-RU" sz="4800" dirty="0" smtClean="0">
+                <a:solidFill>
+                  <a:schemeClr val="bg1"/>
+                </a:solidFill>
+                <a:latin typeface="Times New Roman" panose="02020603050405020304" pitchFamily="18" charset="0"/>
+                <a:cs typeface="Times New Roman" panose="02020603050405020304" pitchFamily="18" charset="0"/>
+              </a:rPr>
+              <a:t>Билет № 20</a:t>
             </a:r>
             <a:endParaRPr lang="ru-RU" sz="4800" dirty="0">
               <a:latin typeface="Times New Roman" panose="02020603050405020304" pitchFamily="18" charset="0"/>
@@ -3209,6 +3759,51 @@
           </a:prstGeom>
         </p:spPr>
       </p:pic>
+      <p:sp>
+        <p:nvSpPr>
+          <p:cNvPr id="4" name="TextBox 3"/>
+          <p:cNvSpPr txBox="1"/>
+          <p:nvPr/>
+        </p:nvSpPr>
+        <p:spPr>
+          <a:xfrm>
+            <a:off x="486711" y="1325563"/>
+            <a:ext cx="2622128" cy="646331"/>
+          </a:xfrm>
+          <a:prstGeom prst="rect">
+            <a:avLst/>
+          </a:prstGeom>
+          <a:noFill/>
+        </p:spPr>
+        <p:txBody>
+          <a:bodyPr wrap="none" rtlCol="0">
+            <a:spAutoFit/>
+          </a:bodyPr>
+          <a:lstStyle/>
+          <a:p>
+            <a:r>
+              <a:rPr lang="ru-RU" dirty="0" smtClean="0">
+                <a:latin typeface="Times New Roman" panose="02020603050405020304" pitchFamily="18" charset="0"/>
+                <a:cs typeface="Times New Roman" panose="02020603050405020304" pitchFamily="18" charset="0"/>
+              </a:rPr>
+              <a:t>Источник: Отчет. ПП.01.</a:t>
+            </a:r>
+          </a:p>
+          <a:p>
+            <a:r>
+              <a:rPr lang="ru-RU" dirty="0" smtClean="0">
+                <a:latin typeface="Times New Roman" panose="02020603050405020304" pitchFamily="18" charset="0"/>
+                <a:cs typeface="Times New Roman" panose="02020603050405020304" pitchFamily="18" charset="0"/>
+              </a:rPr>
+              <a:t>Раздел 2.4.2</a:t>
+            </a:r>
+            <a:endParaRPr lang="ru-RU" dirty="0">
+              <a:latin typeface="Times New Roman" panose="02020603050405020304" pitchFamily="18" charset="0"/>
+              <a:cs typeface="Times New Roman" panose="02020603050405020304" pitchFamily="18" charset="0"/>
+            </a:endParaRPr>
+          </a:p>
+        </p:txBody>
+      </p:sp>
     </p:spTree>
     <p:extLst>
       <p:ext uri="{BB962C8B-B14F-4D97-AF65-F5344CB8AC3E}">
@@ -3300,7 +3895,7 @@
         </p:blipFill>
         <p:spPr>
           <a:xfrm>
-            <a:off x="2178196" y="1325562"/>
+            <a:off x="2972523" y="1325563"/>
             <a:ext cx="7835609" cy="4668837"/>
           </a:xfrm>
           <a:prstGeom prst="rect">
@@ -3308,6 +3903,51 @@
           </a:prstGeom>
         </p:spPr>
       </p:pic>
+      <p:sp>
+        <p:nvSpPr>
+          <p:cNvPr id="5" name="TextBox 4"/>
+          <p:cNvSpPr txBox="1"/>
+          <p:nvPr/>
+        </p:nvSpPr>
+        <p:spPr>
+          <a:xfrm>
+            <a:off x="304357" y="1325563"/>
+            <a:ext cx="2758063" cy="646331"/>
+          </a:xfrm>
+          <a:prstGeom prst="rect">
+            <a:avLst/>
+          </a:prstGeom>
+          <a:noFill/>
+        </p:spPr>
+        <p:txBody>
+          <a:bodyPr wrap="none" rtlCol="0">
+            <a:spAutoFit/>
+          </a:bodyPr>
+          <a:lstStyle/>
+          <a:p>
+            <a:r>
+              <a:rPr lang="ru-RU" dirty="0" smtClean="0">
+                <a:latin typeface="Times New Roman" panose="02020603050405020304" pitchFamily="18" charset="0"/>
+                <a:cs typeface="Times New Roman" panose="02020603050405020304" pitchFamily="18" charset="0"/>
+              </a:rPr>
+              <a:t>Источник: Записка. КП.01</a:t>
+            </a:r>
+          </a:p>
+          <a:p>
+            <a:r>
+              <a:rPr lang="ru-RU" dirty="0" smtClean="0">
+                <a:latin typeface="Times New Roman" panose="02020603050405020304" pitchFamily="18" charset="0"/>
+                <a:cs typeface="Times New Roman" panose="02020603050405020304" pitchFamily="18" charset="0"/>
+              </a:rPr>
+              <a:t>Раздел 2.10</a:t>
+            </a:r>
+            <a:endParaRPr lang="ru-RU" dirty="0">
+              <a:latin typeface="Times New Roman" panose="02020603050405020304" pitchFamily="18" charset="0"/>
+              <a:cs typeface="Times New Roman" panose="02020603050405020304" pitchFamily="18" charset="0"/>
+            </a:endParaRPr>
+          </a:p>
+        </p:txBody>
+      </p:sp>
     </p:spTree>
     <p:extLst>
       <p:ext uri="{BB962C8B-B14F-4D97-AF65-F5344CB8AC3E}">
@@ -3383,13 +4023,11 @@
       </p:sp>
       <p:pic>
         <p:nvPicPr>
-          <p:cNvPr id="4" name="Объект 3"/>
+          <p:cNvPr id="3" name="Рисунок 2"/>
           <p:cNvPicPr>
-            <a:picLocks noGrp="1" noChangeAspect="1"/>
+            <a:picLocks noChangeAspect="1"/>
           </p:cNvPicPr>
-          <p:nvPr>
-            <p:ph idx="1"/>
-          </p:nvPr>
+          <p:nvPr/>
         </p:nvPicPr>
         <p:blipFill>
           <a:blip r:embed="rId2"/>
@@ -3399,8 +4037,79 @@
         </p:blipFill>
         <p:spPr>
           <a:xfrm>
-            <a:off x="4073476" y="1325563"/>
-            <a:ext cx="4045048" cy="5158364"/>
+            <a:off x="6134100" y="2726312"/>
+            <a:ext cx="5219700" cy="3009900"/>
+          </a:xfrm>
+          <a:prstGeom prst="rect">
+            <a:avLst/>
+          </a:prstGeom>
+        </p:spPr>
+      </p:pic>
+      <p:sp>
+        <p:nvSpPr>
+          <p:cNvPr id="5" name="TextBox 4"/>
+          <p:cNvSpPr txBox="1"/>
+          <p:nvPr/>
+        </p:nvSpPr>
+        <p:spPr>
+          <a:xfrm>
+            <a:off x="6427194" y="1733550"/>
+            <a:ext cx="4633513" cy="646331"/>
+          </a:xfrm>
+          <a:prstGeom prst="rect">
+            <a:avLst/>
+          </a:prstGeom>
+          <a:noFill/>
+        </p:spPr>
+        <p:txBody>
+          <a:bodyPr wrap="none" rtlCol="0">
+            <a:spAutoFit/>
+          </a:bodyPr>
+          <a:lstStyle/>
+          <a:p>
+            <a:r>
+              <a:rPr lang="ru-RU" dirty="0" smtClean="0">
+                <a:latin typeface="Times New Roman" panose="02020603050405020304" pitchFamily="18" charset="0"/>
+                <a:cs typeface="Times New Roman" panose="02020603050405020304" pitchFamily="18" charset="0"/>
+              </a:rPr>
+              <a:t>Источник: Отчет. ПП.01</a:t>
+            </a:r>
+          </a:p>
+          <a:p>
+            <a:r>
+              <a:rPr lang="ru-RU" dirty="0" smtClean="0">
+                <a:latin typeface="Times New Roman" panose="02020603050405020304" pitchFamily="18" charset="0"/>
+                <a:cs typeface="Times New Roman" panose="02020603050405020304" pitchFamily="18" charset="0"/>
+              </a:rPr>
+              <a:t>Раздел 2.5. Оптимизация программного кода.</a:t>
+            </a:r>
+            <a:endParaRPr lang="ru-RU" dirty="0">
+              <a:latin typeface="Times New Roman" panose="02020603050405020304" pitchFamily="18" charset="0"/>
+              <a:cs typeface="Times New Roman" panose="02020603050405020304" pitchFamily="18" charset="0"/>
+            </a:endParaRPr>
+          </a:p>
+        </p:txBody>
+      </p:sp>
+      <p:pic>
+        <p:nvPicPr>
+          <p:cNvPr id="8" name="Объект 7"/>
+          <p:cNvPicPr>
+            <a:picLocks noGrp="1" noChangeAspect="1"/>
+          </p:cNvPicPr>
+          <p:nvPr>
+            <p:ph idx="1"/>
+          </p:nvPr>
+        </p:nvPicPr>
+        <p:blipFill>
+          <a:blip r:embed="rId3"/>
+          <a:stretch>
+            <a:fillRect/>
+          </a:stretch>
+        </p:blipFill>
+        <p:spPr>
+          <a:xfrm>
+            <a:off x="838200" y="1729076"/>
+            <a:ext cx="3641056" cy="4351338"/>
           </a:xfrm>
           <a:prstGeom prst="rect">
             <a:avLst/>
@@ -3498,8 +4207,77 @@
         </p:blipFill>
         <p:spPr>
           <a:xfrm>
-            <a:off x="3435373" y="1325563"/>
+            <a:off x="562864" y="1325563"/>
             <a:ext cx="5321255" cy="5112182"/>
+          </a:xfrm>
+          <a:prstGeom prst="rect">
+            <a:avLst/>
+          </a:prstGeom>
+        </p:spPr>
+      </p:pic>
+      <p:sp>
+        <p:nvSpPr>
+          <p:cNvPr id="5" name="TextBox 4"/>
+          <p:cNvSpPr txBox="1"/>
+          <p:nvPr/>
+        </p:nvSpPr>
+        <p:spPr>
+          <a:xfrm>
+            <a:off x="7439071" y="1865746"/>
+            <a:ext cx="3561103" cy="646331"/>
+          </a:xfrm>
+          <a:prstGeom prst="rect">
+            <a:avLst/>
+          </a:prstGeom>
+          <a:noFill/>
+        </p:spPr>
+        <p:txBody>
+          <a:bodyPr wrap="none" rtlCol="0">
+            <a:spAutoFit/>
+          </a:bodyPr>
+          <a:lstStyle/>
+          <a:p>
+            <a:r>
+              <a:rPr lang="ru-RU" dirty="0" smtClean="0">
+                <a:latin typeface="Times New Roman" panose="02020603050405020304" pitchFamily="18" charset="0"/>
+                <a:cs typeface="Times New Roman" panose="02020603050405020304" pitchFamily="18" charset="0"/>
+              </a:rPr>
+              <a:t>Источник: Записка. КП.01</a:t>
+            </a:r>
+          </a:p>
+          <a:p>
+            <a:r>
+              <a:rPr lang="ru-RU" dirty="0" smtClean="0">
+                <a:latin typeface="Times New Roman" panose="02020603050405020304" pitchFamily="18" charset="0"/>
+                <a:cs typeface="Times New Roman" panose="02020603050405020304" pitchFamily="18" charset="0"/>
+              </a:rPr>
+              <a:t>Раздел 3.1. Руководство оператора</a:t>
+            </a:r>
+            <a:endParaRPr lang="ru-RU" dirty="0">
+              <a:latin typeface="Times New Roman" panose="02020603050405020304" pitchFamily="18" charset="0"/>
+              <a:cs typeface="Times New Roman" panose="02020603050405020304" pitchFamily="18" charset="0"/>
+            </a:endParaRPr>
+          </a:p>
+        </p:txBody>
+      </p:sp>
+      <p:pic>
+        <p:nvPicPr>
+          <p:cNvPr id="6" name="Рисунок 5"/>
+          <p:cNvPicPr>
+            <a:picLocks noChangeAspect="1"/>
+          </p:cNvPicPr>
+          <p:nvPr/>
+        </p:nvPicPr>
+        <p:blipFill>
+          <a:blip r:embed="rId3"/>
+          <a:stretch>
+            <a:fillRect/>
+          </a:stretch>
+        </p:blipFill>
+        <p:spPr>
+          <a:xfrm>
+            <a:off x="7085445" y="2990704"/>
+            <a:ext cx="4268355" cy="3377281"/>
           </a:xfrm>
           <a:prstGeom prst="rect">
             <a:avLst/>
@@ -3579,15 +4357,67 @@
           </a:p>
         </p:txBody>
       </p:sp>
+      <p:sp>
+        <p:nvSpPr>
+          <p:cNvPr id="3" name="TextBox 2"/>
+          <p:cNvSpPr txBox="1"/>
+          <p:nvPr/>
+        </p:nvSpPr>
+        <p:spPr>
+          <a:xfrm>
+            <a:off x="1274266" y="2223026"/>
+            <a:ext cx="3863237" cy="923330"/>
+          </a:xfrm>
+          <a:prstGeom prst="rect">
+            <a:avLst/>
+          </a:prstGeom>
+          <a:noFill/>
+        </p:spPr>
+        <p:txBody>
+          <a:bodyPr wrap="none" rtlCol="0">
+            <a:spAutoFit/>
+          </a:bodyPr>
+          <a:lstStyle/>
+          <a:p>
+            <a:r>
+              <a:rPr lang="ru-RU" dirty="0" smtClean="0">
+                <a:latin typeface="Times New Roman" panose="02020603050405020304" pitchFamily="18" charset="0"/>
+                <a:cs typeface="Times New Roman" panose="02020603050405020304" pitchFamily="18" charset="0"/>
+              </a:rPr>
+              <a:t>Источник: Отчет. УП.01</a:t>
+            </a:r>
+          </a:p>
+          <a:p>
+            <a:r>
+              <a:rPr lang="ru-RU" dirty="0" smtClean="0">
+                <a:latin typeface="Times New Roman" panose="02020603050405020304" pitchFamily="18" charset="0"/>
+                <a:cs typeface="Times New Roman" panose="02020603050405020304" pitchFamily="18" charset="0"/>
+              </a:rPr>
+              <a:t>Раздел 2.8. </a:t>
+            </a:r>
+          </a:p>
+          <a:p>
+            <a:r>
+              <a:rPr lang="ru-RU" dirty="0" smtClean="0">
+                <a:latin typeface="Times New Roman" panose="02020603050405020304" pitchFamily="18" charset="0"/>
+                <a:cs typeface="Times New Roman" panose="02020603050405020304" pitchFamily="18" charset="0"/>
+              </a:rPr>
+              <a:t>Разработка документации по проекту</a:t>
+            </a:r>
+            <a:endParaRPr lang="ru-RU" dirty="0">
+              <a:latin typeface="Times New Roman" panose="02020603050405020304" pitchFamily="18" charset="0"/>
+              <a:cs typeface="Times New Roman" panose="02020603050405020304" pitchFamily="18" charset="0"/>
+            </a:endParaRPr>
+          </a:p>
+        </p:txBody>
+      </p:sp>
       <p:pic>
         <p:nvPicPr>
-          <p:cNvPr id="4" name="Объект 3"/>
+          <p:cNvPr id="7" name="Рисунок 6"/>
           <p:cNvPicPr>
-            <a:picLocks noGrp="1" noChangeAspect="1"/>
+            <a:picLocks noChangeAspect="1"/>
           </p:cNvPicPr>
-          <p:nvPr>
-            <p:ph idx="1"/>
-          </p:nvPr>
+          <p:nvPr/>
         </p:nvPicPr>
         <p:blipFill>
           <a:blip r:embed="rId2"/>
@@ -3597,7 +4427,33 @@
         </p:blipFill>
         <p:spPr>
           <a:xfrm>
-            <a:off x="3273623" y="1325563"/>
+            <a:off x="0" y="3951487"/>
+            <a:ext cx="6411768" cy="2560149"/>
+          </a:xfrm>
+          <a:prstGeom prst="rect">
+            <a:avLst/>
+          </a:prstGeom>
+        </p:spPr>
+      </p:pic>
+      <p:pic>
+        <p:nvPicPr>
+          <p:cNvPr id="4" name="Объект 3"/>
+          <p:cNvPicPr>
+            <a:picLocks noGrp="1" noChangeAspect="1"/>
+          </p:cNvPicPr>
+          <p:nvPr>
+            <p:ph idx="1"/>
+          </p:nvPr>
+        </p:nvPicPr>
+        <p:blipFill>
+          <a:blip r:embed="rId3"/>
+          <a:stretch>
+            <a:fillRect/>
+          </a:stretch>
+        </p:blipFill>
+        <p:spPr>
+          <a:xfrm>
+            <a:off x="6096000" y="1325563"/>
             <a:ext cx="5644755" cy="5186073"/>
           </a:xfrm>
           <a:prstGeom prst="rect">
@@ -4974,10 +5830,16 @@
           <a:lstStyle/>
           <a:p>
             <a:r>
-              <a:rPr lang="en-US" dirty="0" err="1" smtClean="0"/>
+              <a:rPr lang="en-US" dirty="0" err="1" smtClean="0">
+                <a:latin typeface="Times New Roman" panose="02020603050405020304" pitchFamily="18" charset="0"/>
+                <a:cs typeface="Times New Roman" panose="02020603050405020304" pitchFamily="18" charset="0"/>
+              </a:rPr>
               <a:t>Prototypes.h</a:t>
             </a:r>
-            <a:endParaRPr lang="ru-RU" dirty="0"/>
+            <a:endParaRPr lang="ru-RU" dirty="0">
+              <a:latin typeface="Times New Roman" panose="02020603050405020304" pitchFamily="18" charset="0"/>
+              <a:cs typeface="Times New Roman" panose="02020603050405020304" pitchFamily="18" charset="0"/>
+            </a:endParaRPr>
           </a:p>
         </p:txBody>
       </p:sp>
@@ -5004,10 +5866,74 @@
           <a:lstStyle/>
           <a:p>
             <a:r>
-              <a:rPr lang="en-US" dirty="0" err="1" smtClean="0"/>
+              <a:rPr lang="en-US" dirty="0" err="1" smtClean="0">
+                <a:latin typeface="Times New Roman" panose="02020603050405020304" pitchFamily="18" charset="0"/>
+                <a:cs typeface="Times New Roman" panose="02020603050405020304" pitchFamily="18" charset="0"/>
+              </a:rPr>
               <a:t>Function.c</a:t>
             </a:r>
-            <a:endParaRPr lang="ru-RU" dirty="0"/>
+            <a:endParaRPr lang="ru-RU" dirty="0">
+              <a:latin typeface="Times New Roman" panose="02020603050405020304" pitchFamily="18" charset="0"/>
+              <a:cs typeface="Times New Roman" panose="02020603050405020304" pitchFamily="18" charset="0"/>
+            </a:endParaRPr>
+          </a:p>
+        </p:txBody>
+      </p:sp>
+      <p:sp>
+        <p:nvSpPr>
+          <p:cNvPr id="3" name="Прямоугольник 2"/>
+          <p:cNvSpPr/>
+          <p:nvPr/>
+        </p:nvSpPr>
+        <p:spPr>
+          <a:xfrm>
+            <a:off x="838200" y="1588746"/>
+            <a:ext cx="2431473" cy="646331"/>
+          </a:xfrm>
+          <a:prstGeom prst="rect">
+            <a:avLst/>
+          </a:prstGeom>
+        </p:spPr>
+        <p:txBody>
+          <a:bodyPr wrap="square">
+            <a:spAutoFit/>
+          </a:bodyPr>
+          <a:lstStyle/>
+          <a:p>
+            <a:r>
+              <a:rPr lang="ru-RU" dirty="0">
+                <a:latin typeface="Times New Roman" panose="02020603050405020304" pitchFamily="18" charset="0"/>
+                <a:cs typeface="Times New Roman" panose="02020603050405020304" pitchFamily="18" charset="0"/>
+              </a:rPr>
+              <a:t>Источник: МДК.01.01</a:t>
+            </a:r>
+          </a:p>
+          <a:p>
+            <a:r>
+              <a:rPr lang="ru-RU" dirty="0">
+                <a:latin typeface="Times New Roman" panose="02020603050405020304" pitchFamily="18" charset="0"/>
+                <a:cs typeface="Times New Roman" panose="02020603050405020304" pitchFamily="18" charset="0"/>
+              </a:rPr>
+              <a:t>Проект «</a:t>
+            </a:r>
+            <a:r>
+              <a:rPr lang="en-US" dirty="0">
+                <a:latin typeface="Times New Roman" panose="02020603050405020304" pitchFamily="18" charset="0"/>
+                <a:cs typeface="Times New Roman" panose="02020603050405020304" pitchFamily="18" charset="0"/>
+              </a:rPr>
+              <a:t>Country</a:t>
+            </a:r>
+            <a:r>
+              <a:rPr lang="ru-RU" dirty="0">
+                <a:latin typeface="Times New Roman" panose="02020603050405020304" pitchFamily="18" charset="0"/>
+                <a:cs typeface="Times New Roman" panose="02020603050405020304" pitchFamily="18" charset="0"/>
+              </a:rPr>
+              <a:t>»</a:t>
+            </a:r>
+            <a:endParaRPr lang="ru-RU" dirty="0">
+              <a:latin typeface="Times New Roman" panose="02020603050405020304" pitchFamily="18" charset="0"/>
+              <a:cs typeface="Times New Roman" panose="02020603050405020304" pitchFamily="18" charset="0"/>
+            </a:endParaRPr>
           </a:p>
         </p:txBody>
       </p:sp>
@@ -5102,14 +6028,14 @@
           </p:nvPr>
         </p:nvPicPr>
         <p:blipFill>
-          <a:blip r:embed="rId2"/>
+          <a:blip r:embed="rId3"/>
           <a:stretch>
             <a:fillRect/>
           </a:stretch>
         </p:blipFill>
         <p:spPr>
           <a:xfrm>
-            <a:off x="1912112" y="1690688"/>
+            <a:off x="4646075" y="1690688"/>
             <a:ext cx="2627803" cy="5051109"/>
           </a:xfrm>
           <a:prstGeom prst="rect">
@@ -5128,7 +6054,7 @@
           </p:nvPr>
         </p:nvPicPr>
         <p:blipFill>
-          <a:blip r:embed="rId3"/>
+          <a:blip r:embed="rId4"/>
           <a:stretch>
             <a:fillRect/>
           </a:stretch>
@@ -5151,7 +6077,7 @@
         </p:nvSpPr>
         <p:spPr>
           <a:xfrm>
-            <a:off x="2789483" y="1413164"/>
+            <a:off x="5523446" y="1413164"/>
             <a:ext cx="873060" cy="369332"/>
           </a:xfrm>
           <a:prstGeom prst="rect">
@@ -5166,10 +6092,16 @@
           <a:lstStyle/>
           <a:p>
             <a:r>
-              <a:rPr lang="en-US" dirty="0" err="1" smtClean="0"/>
+              <a:rPr lang="en-US" dirty="0" err="1" smtClean="0">
+                <a:latin typeface="Times New Roman" panose="02020603050405020304" pitchFamily="18" charset="0"/>
+                <a:cs typeface="Times New Roman" panose="02020603050405020304" pitchFamily="18" charset="0"/>
+              </a:rPr>
               <a:t>Hotel.h</a:t>
             </a:r>
-            <a:endParaRPr lang="ru-RU" dirty="0"/>
+            <a:endParaRPr lang="ru-RU" dirty="0">
+              <a:latin typeface="Times New Roman" panose="02020603050405020304" pitchFamily="18" charset="0"/>
+              <a:cs typeface="Times New Roman" panose="02020603050405020304" pitchFamily="18" charset="0"/>
+            </a:endParaRPr>
           </a:p>
         </p:txBody>
       </p:sp>
@@ -5182,7 +6114,7 @@
         <p:spPr>
           <a:xfrm>
             <a:off x="8137754" y="1325563"/>
-            <a:ext cx="2091598" cy="369332"/>
+            <a:ext cx="2024913" cy="369332"/>
           </a:xfrm>
           <a:prstGeom prst="rect">
             <a:avLst/>
@@ -5196,10 +6128,87 @@
           <a:lstStyle/>
           <a:p>
             <a:r>
-              <a:rPr lang="en-US" dirty="0" smtClean="0"/>
-              <a:t>Implementation.cpp</a:t>
-            </a:r>
-            <a:endParaRPr lang="ru-RU" dirty="0"/>
+              <a:rPr lang="en-US" dirty="0">
+                <a:latin typeface="Times New Roman" panose="02020603050405020304" pitchFamily="18" charset="0"/>
+                <a:cs typeface="Times New Roman" panose="02020603050405020304" pitchFamily="18" charset="0"/>
+              </a:rPr>
+              <a:t>i</a:t>
+            </a:r>
+            <a:r>
+              <a:rPr lang="en-US" dirty="0" smtClean="0">
+                <a:latin typeface="Times New Roman" panose="02020603050405020304" pitchFamily="18" charset="0"/>
+                <a:cs typeface="Times New Roman" panose="02020603050405020304" pitchFamily="18" charset="0"/>
+              </a:rPr>
+              <a:t>mplementation.cpp</a:t>
+            </a:r>
+            <a:endParaRPr lang="ru-RU" dirty="0">
+              <a:latin typeface="Times New Roman" panose="02020603050405020304" pitchFamily="18" charset="0"/>
+              <a:cs typeface="Times New Roman" panose="02020603050405020304" pitchFamily="18" charset="0"/>
+            </a:endParaRPr>
+          </a:p>
+        </p:txBody>
+      </p:sp>
+      <p:sp>
+        <p:nvSpPr>
+          <p:cNvPr id="5" name="Прямоугольник 4"/>
+          <p:cNvSpPr/>
+          <p:nvPr/>
+        </p:nvSpPr>
+        <p:spPr>
+          <a:xfrm>
+            <a:off x="720704" y="3565670"/>
+            <a:ext cx="3925371" cy="923330"/>
+          </a:xfrm>
+          <a:prstGeom prst="rect">
+            <a:avLst/>
+          </a:prstGeom>
+        </p:spPr>
+        <p:txBody>
+          <a:bodyPr wrap="square">
+            <a:spAutoFit/>
+          </a:bodyPr>
+          <a:lstStyle/>
+          <a:p>
+            <a:r>
+              <a:rPr lang="ru-RU" dirty="0">
+                <a:latin typeface="Times New Roman" panose="02020603050405020304" pitchFamily="18" charset="0"/>
+                <a:cs typeface="Times New Roman" panose="02020603050405020304" pitchFamily="18" charset="0"/>
+              </a:rPr>
+              <a:t>Источник: Лабораторные работы </a:t>
+            </a:r>
+            <a:endParaRPr lang="ru-RU" dirty="0" smtClean="0">
+              <a:latin typeface="Times New Roman" panose="02020603050405020304" pitchFamily="18" charset="0"/>
+              <a:cs typeface="Times New Roman" panose="02020603050405020304" pitchFamily="18" charset="0"/>
+            </a:endParaRPr>
+          </a:p>
+          <a:p>
+            <a:r>
+              <a:rPr lang="ru-RU" dirty="0" smtClean="0">
+                <a:latin typeface="Times New Roman" panose="02020603050405020304" pitchFamily="18" charset="0"/>
+                <a:cs typeface="Times New Roman" panose="02020603050405020304" pitchFamily="18" charset="0"/>
+              </a:rPr>
+              <a:t>по </a:t>
+            </a:r>
+            <a:r>
+              <a:rPr lang="ru-RU" dirty="0">
+                <a:latin typeface="Times New Roman" panose="02020603050405020304" pitchFamily="18" charset="0"/>
+                <a:cs typeface="Times New Roman" panose="02020603050405020304" pitchFamily="18" charset="0"/>
+              </a:rPr>
+              <a:t>прикладному программированию</a:t>
+            </a:r>
+          </a:p>
+          <a:p>
+            <a:r>
+              <a:rPr lang="ru-RU" dirty="0">
+                <a:latin typeface="Times New Roman" panose="02020603050405020304" pitchFamily="18" charset="0"/>
+                <a:cs typeface="Times New Roman" panose="02020603050405020304" pitchFamily="18" charset="0"/>
+              </a:rPr>
+              <a:t>ЛЗ № 11</a:t>
+            </a:r>
+            <a:endParaRPr lang="ru-RU" dirty="0">
+              <a:latin typeface="Times New Roman" panose="02020603050405020304" pitchFamily="18" charset="0"/>
+              <a:cs typeface="Times New Roman" panose="02020603050405020304" pitchFamily="18" charset="0"/>
+            </a:endParaRPr>
           </a:p>
         </p:txBody>
       </p:sp>
@@ -5294,7 +6303,7 @@
         </p:blipFill>
         <p:spPr>
           <a:xfrm>
-            <a:off x="838200" y="1488493"/>
+            <a:off x="838200" y="2552113"/>
             <a:ext cx="10515600" cy="3881015"/>
           </a:xfrm>
           <a:prstGeom prst="rect">
@@ -5310,7 +6319,7 @@
         </p:nvSpPr>
         <p:spPr>
           <a:xfrm>
-            <a:off x="5691081" y="1140897"/>
+            <a:off x="5691081" y="2204517"/>
             <a:ext cx="809837" cy="369332"/>
           </a:xfrm>
           <a:prstGeom prst="rect">
@@ -5325,14 +6334,82 @@
           <a:lstStyle/>
           <a:p>
             <a:r>
-              <a:rPr lang="en-US" dirty="0" err="1"/>
+              <a:rPr lang="en-US" dirty="0" err="1">
+                <a:latin typeface="Times New Roman" panose="02020603050405020304" pitchFamily="18" charset="0"/>
+                <a:cs typeface="Times New Roman" panose="02020603050405020304" pitchFamily="18" charset="0"/>
+              </a:rPr>
               <a:t>m</a:t>
             </a:r>
             <a:r>
-              <a:rPr lang="en-US" dirty="0" err="1" smtClean="0"/>
+              <a:rPr lang="en-US" dirty="0" err="1" smtClean="0">
+                <a:latin typeface="Times New Roman" panose="02020603050405020304" pitchFamily="18" charset="0"/>
+                <a:cs typeface="Times New Roman" panose="02020603050405020304" pitchFamily="18" charset="0"/>
+              </a:rPr>
               <a:t>ain.c</a:t>
             </a:r>
-            <a:endParaRPr lang="ru-RU" dirty="0"/>
+            <a:endParaRPr lang="ru-RU" dirty="0">
+              <a:latin typeface="Times New Roman" panose="02020603050405020304" pitchFamily="18" charset="0"/>
+              <a:cs typeface="Times New Roman" panose="02020603050405020304" pitchFamily="18" charset="0"/>
+            </a:endParaRPr>
+          </a:p>
+        </p:txBody>
+      </p:sp>
+      <p:sp>
+        <p:nvSpPr>
+          <p:cNvPr id="5" name="TextBox 4"/>
+          <p:cNvSpPr txBox="1"/>
+          <p:nvPr/>
+        </p:nvSpPr>
+        <p:spPr>
+          <a:xfrm>
+            <a:off x="838199" y="1558186"/>
+            <a:ext cx="2350965" cy="646331"/>
+          </a:xfrm>
+          <a:prstGeom prst="rect">
+            <a:avLst/>
+          </a:prstGeom>
+          <a:noFill/>
+        </p:spPr>
+        <p:txBody>
+          <a:bodyPr wrap="none" rtlCol="0">
+            <a:spAutoFit/>
+          </a:bodyPr>
+          <a:lstStyle/>
+          <a:p>
+            <a:r>
+              <a:rPr lang="ru-RU" dirty="0" smtClean="0">
+                <a:latin typeface="Times New Roman" panose="02020603050405020304" pitchFamily="18" charset="0"/>
+                <a:cs typeface="Times New Roman" panose="02020603050405020304" pitchFamily="18" charset="0"/>
+              </a:rPr>
+              <a:t>Источник: МДК.01.01</a:t>
+            </a:r>
+          </a:p>
+          <a:p>
+            <a:r>
+              <a:rPr lang="ru-RU" dirty="0" smtClean="0">
+                <a:latin typeface="Times New Roman" panose="02020603050405020304" pitchFamily="18" charset="0"/>
+                <a:cs typeface="Times New Roman" panose="02020603050405020304" pitchFamily="18" charset="0"/>
+              </a:rPr>
+              <a:t>Проект «</a:t>
+            </a:r>
+            <a:r>
+              <a:rPr lang="en-US" dirty="0" smtClean="0">
+                <a:latin typeface="Times New Roman" panose="02020603050405020304" pitchFamily="18" charset="0"/>
+                <a:cs typeface="Times New Roman" panose="02020603050405020304" pitchFamily="18" charset="0"/>
+              </a:rPr>
+              <a:t>Country</a:t>
+            </a:r>
+            <a:r>
+              <a:rPr lang="ru-RU" dirty="0" smtClean="0">
+                <a:latin typeface="Times New Roman" panose="02020603050405020304" pitchFamily="18" charset="0"/>
+                <a:cs typeface="Times New Roman" panose="02020603050405020304" pitchFamily="18" charset="0"/>
+              </a:rPr>
+              <a:t>»</a:t>
+            </a:r>
+            <a:endParaRPr lang="ru-RU" dirty="0">
+              <a:latin typeface="Times New Roman" panose="02020603050405020304" pitchFamily="18" charset="0"/>
+              <a:cs typeface="Times New Roman" panose="02020603050405020304" pitchFamily="18" charset="0"/>
+            </a:endParaRPr>
           </a:p>
         </p:txBody>
       </p:sp>
@@ -5427,7 +6504,7 @@
         </p:blipFill>
         <p:spPr>
           <a:xfrm>
-            <a:off x="8257540" y="1930400"/>
+            <a:off x="8257540" y="3119245"/>
             <a:ext cx="3096260" cy="2862322"/>
           </a:xfrm>
           <a:prstGeom prst="rect">
@@ -5463,17 +6540,35 @@
                 <a:latin typeface="Times New Roman" panose="02020603050405020304" pitchFamily="18" charset="0"/>
                 <a:cs typeface="Times New Roman" panose="02020603050405020304" pitchFamily="18" charset="0"/>
               </a:rPr>
-              <a:t>В данном проекте было принято решение реализовать меню как отдельную функцию.</a:t>
-            </a:r>
-          </a:p>
-          <a:p>
-            <a:pPr algn="just"/>
+              <a:t>В данном проекте </a:t>
+            </a:r>
             <a:r>
               <a:rPr lang="ru-RU" sz="3600" dirty="0" smtClean="0">
                 <a:latin typeface="Times New Roman" panose="02020603050405020304" pitchFamily="18" charset="0"/>
                 <a:cs typeface="Times New Roman" panose="02020603050405020304" pitchFamily="18" charset="0"/>
               </a:rPr>
-              <a:t>В результате получился достаточно маленький </a:t>
+              <a:t>стояла задача реализовать меню программы как отдельную функцию.</a:t>
+            </a:r>
+            <a:endParaRPr lang="ru-RU" sz="3600" dirty="0" smtClean="0">
+              <a:latin typeface="Times New Roman" panose="02020603050405020304" pitchFamily="18" charset="0"/>
+              <a:cs typeface="Times New Roman" panose="02020603050405020304" pitchFamily="18" charset="0"/>
+            </a:endParaRPr>
+          </a:p>
+          <a:p>
+            <a:pPr algn="just"/>
+            <a:r>
+              <a:rPr lang="ru-RU" sz="3600" dirty="0" smtClean="0">
+                <a:latin typeface="Times New Roman" panose="02020603050405020304" pitchFamily="18" charset="0"/>
+                <a:cs typeface="Times New Roman" panose="02020603050405020304" pitchFamily="18" charset="0"/>
+              </a:rPr>
+              <a:t>В результате получился </a:t>
+            </a:r>
+            <a:r>
+              <a:rPr lang="ru-RU" sz="3600" dirty="0" smtClean="0">
+                <a:latin typeface="Times New Roman" panose="02020603050405020304" pitchFamily="18" charset="0"/>
+                <a:cs typeface="Times New Roman" panose="02020603050405020304" pitchFamily="18" charset="0"/>
+              </a:rPr>
+              <a:t>данный </a:t>
             </a:r>
             <a:r>
               <a:rPr lang="en-US" sz="3600" dirty="0" smtClean="0">
@@ -5489,13 +6584,6 @@
               </a:rPr>
               <a:t>файл</a:t>
             </a:r>
-            <a:r>
-              <a:rPr lang="ru-RU" sz="3600" dirty="0">
-                <a:latin typeface="Times New Roman" panose="02020603050405020304" pitchFamily="18" charset="0"/>
-                <a:cs typeface="Times New Roman" panose="02020603050405020304" pitchFamily="18" charset="0"/>
-              </a:rPr>
-              <a:t>:</a:t>
-            </a:r>
             <a:endParaRPr lang="ru-RU" sz="3600" dirty="0" smtClean="0">
               <a:latin typeface="Times New Roman" panose="02020603050405020304" pitchFamily="18" charset="0"/>
               <a:cs typeface="Times New Roman" panose="02020603050405020304" pitchFamily="18" charset="0"/>
@@ -5511,7 +6599,7 @@
         </p:nvSpPr>
         <p:spPr>
           <a:xfrm>
-            <a:off x="9278923" y="1607127"/>
+            <a:off x="9278923" y="2749913"/>
             <a:ext cx="1053494" cy="369332"/>
           </a:xfrm>
           <a:prstGeom prst="rect">
@@ -5526,14 +6614,116 @@
           <a:lstStyle/>
           <a:p>
             <a:r>
-              <a:rPr lang="en-US" dirty="0"/>
+              <a:rPr lang="en-US" dirty="0">
+                <a:latin typeface="Times New Roman" panose="02020603050405020304" pitchFamily="18" charset="0"/>
+                <a:cs typeface="Times New Roman" panose="02020603050405020304" pitchFamily="18" charset="0"/>
+              </a:rPr>
               <a:t>m</a:t>
             </a:r>
             <a:r>
-              <a:rPr lang="en-US" dirty="0" smtClean="0"/>
+              <a:rPr lang="en-US" dirty="0" smtClean="0">
+                <a:latin typeface="Times New Roman" panose="02020603050405020304" pitchFamily="18" charset="0"/>
+                <a:cs typeface="Times New Roman" panose="02020603050405020304" pitchFamily="18" charset="0"/>
+              </a:rPr>
               <a:t>ain.cpp</a:t>
             </a:r>
-            <a:endParaRPr lang="ru-RU" dirty="0"/>
+            <a:endParaRPr lang="ru-RU" dirty="0">
+              <a:latin typeface="Times New Roman" panose="02020603050405020304" pitchFamily="18" charset="0"/>
+              <a:cs typeface="Times New Roman" panose="02020603050405020304" pitchFamily="18" charset="0"/>
+            </a:endParaRPr>
+          </a:p>
+        </p:txBody>
+      </p:sp>
+      <p:sp>
+        <p:nvSpPr>
+          <p:cNvPr id="6" name="Стрелка вправо 5"/>
+          <p:cNvSpPr/>
+          <p:nvPr/>
+        </p:nvSpPr>
+        <p:spPr>
+          <a:xfrm>
+            <a:off x="3595901" y="4308090"/>
+            <a:ext cx="978408" cy="484632"/>
+          </a:xfrm>
+          <a:prstGeom prst="rightArrow">
+            <a:avLst/>
+          </a:prstGeom>
+          <a:solidFill>
+            <a:schemeClr val="tx1"/>
+          </a:solidFill>
+          <a:ln>
+            <a:solidFill>
+              <a:schemeClr val="tx1"/>
+            </a:solidFill>
+          </a:ln>
+        </p:spPr>
+        <p:style>
+          <a:lnRef idx="2">
+            <a:schemeClr val="accent1">
+              <a:shade val="50000"/>
+            </a:schemeClr>
+          </a:lnRef>
+          <a:fillRef idx="1">
+            <a:schemeClr val="accent1"/>
+          </a:fillRef>
+          <a:effectRef idx="0">
+            <a:schemeClr val="accent1"/>
+          </a:effectRef>
+          <a:fontRef idx="minor">
+            <a:schemeClr val="lt1"/>
+          </a:fontRef>
+        </p:style>
+        <p:txBody>
+          <a:bodyPr rtlCol="0" anchor="ctr"/>
+          <a:lstStyle/>
+          <a:p>
+            <a:pPr algn="ctr"/>
+            <a:endParaRPr lang="ru-RU"/>
+          </a:p>
+        </p:txBody>
+      </p:sp>
+      <p:sp>
+        <p:nvSpPr>
+          <p:cNvPr id="7" name="TextBox 6"/>
+          <p:cNvSpPr txBox="1"/>
+          <p:nvPr/>
+        </p:nvSpPr>
+        <p:spPr>
+          <a:xfrm>
+            <a:off x="835566" y="5397559"/>
+            <a:ext cx="7171322" cy="646331"/>
+          </a:xfrm>
+          <a:prstGeom prst="rect">
+            <a:avLst/>
+          </a:prstGeom>
+          <a:noFill/>
+        </p:spPr>
+        <p:txBody>
+          <a:bodyPr wrap="none" rtlCol="0">
+            <a:spAutoFit/>
+          </a:bodyPr>
+          <a:lstStyle/>
+          <a:p>
+            <a:r>
+              <a:rPr lang="ru-RU" dirty="0" smtClean="0">
+                <a:latin typeface="Times New Roman" panose="02020603050405020304" pitchFamily="18" charset="0"/>
+                <a:cs typeface="Times New Roman" panose="02020603050405020304" pitchFamily="18" charset="0"/>
+              </a:rPr>
+              <a:t>Источник: Лабораторные работы по прикладному программированию</a:t>
+            </a:r>
+          </a:p>
+          <a:p>
+            <a:r>
+              <a:rPr lang="ru-RU" dirty="0" smtClean="0">
+                <a:latin typeface="Times New Roman" panose="02020603050405020304" pitchFamily="18" charset="0"/>
+                <a:cs typeface="Times New Roman" panose="02020603050405020304" pitchFamily="18" charset="0"/>
+              </a:rPr>
+              <a:t>ЛЗ № 11</a:t>
+            </a:r>
+            <a:endParaRPr lang="ru-RU" dirty="0">
+              <a:latin typeface="Times New Roman" panose="02020603050405020304" pitchFamily="18" charset="0"/>
+              <a:cs typeface="Times New Roman" panose="02020603050405020304" pitchFamily="18" charset="0"/>
+            </a:endParaRPr>
           </a:p>
         </p:txBody>
       </p:sp>
@@ -5628,7 +6818,7 @@
         </p:blipFill>
         <p:spPr>
           <a:xfrm>
-            <a:off x="3430174" y="1325563"/>
+            <a:off x="4787564" y="1325563"/>
             <a:ext cx="5331653" cy="5324619"/>
           </a:xfrm>
           <a:prstGeom prst="rect">
@@ -5636,6 +6826,47 @@
           </a:prstGeom>
         </p:spPr>
       </p:pic>
+      <p:sp>
+        <p:nvSpPr>
+          <p:cNvPr id="3" name="TextBox 2"/>
+          <p:cNvSpPr txBox="1"/>
+          <p:nvPr/>
+        </p:nvSpPr>
+        <p:spPr>
+          <a:xfrm>
+            <a:off x="838200" y="1325563"/>
+            <a:ext cx="2714782" cy="646331"/>
+          </a:xfrm>
+          <a:prstGeom prst="rect">
+            <a:avLst/>
+          </a:prstGeom>
+          <a:noFill/>
+        </p:spPr>
+        <p:txBody>
+          <a:bodyPr wrap="none" rtlCol="0">
+            <a:spAutoFit/>
+          </a:bodyPr>
+          <a:lstStyle/>
+          <a:p>
+            <a:r>
+              <a:rPr lang="ru-RU" dirty="0" smtClean="0">
+                <a:latin typeface="Times New Roman" panose="02020603050405020304" pitchFamily="18" charset="0"/>
+                <a:cs typeface="Times New Roman" panose="02020603050405020304" pitchFamily="18" charset="0"/>
+              </a:rPr>
+              <a:t>Источник: Записка. Кп.01</a:t>
+            </a:r>
+          </a:p>
+          <a:p>
+            <a:r>
+              <a:rPr lang="ru-RU" dirty="0" smtClean="0">
+                <a:latin typeface="Times New Roman" panose="02020603050405020304" pitchFamily="18" charset="0"/>
+                <a:cs typeface="Times New Roman" panose="02020603050405020304" pitchFamily="18" charset="0"/>
+              </a:rPr>
+              <a:t>Раздел 2.9</a:t>
+            </a:r>
+          </a:p>
+        </p:txBody>
+      </p:sp>
     </p:spTree>
     <p:extLst>
       <p:ext uri="{BB962C8B-B14F-4D97-AF65-F5344CB8AC3E}">
@@ -5727,7 +6958,7 @@
         </p:blipFill>
         <p:spPr>
           <a:xfrm>
-            <a:off x="2234797" y="1325563"/>
+            <a:off x="3631394" y="1325563"/>
             <a:ext cx="7722406" cy="4872037"/>
           </a:xfrm>
           <a:prstGeom prst="rect">
@@ -5735,6 +6966,47 @@
           </a:prstGeom>
         </p:spPr>
       </p:pic>
+      <p:sp>
+        <p:nvSpPr>
+          <p:cNvPr id="3" name="TextBox 2"/>
+          <p:cNvSpPr txBox="1"/>
+          <p:nvPr/>
+        </p:nvSpPr>
+        <p:spPr>
+          <a:xfrm>
+            <a:off x="952587" y="1325563"/>
+            <a:ext cx="2564420" cy="646331"/>
+          </a:xfrm>
+          <a:prstGeom prst="rect">
+            <a:avLst/>
+          </a:prstGeom>
+          <a:noFill/>
+        </p:spPr>
+        <p:txBody>
+          <a:bodyPr wrap="none" rtlCol="0">
+            <a:spAutoFit/>
+          </a:bodyPr>
+          <a:lstStyle/>
+          <a:p>
+            <a:r>
+              <a:rPr lang="ru-RU" dirty="0" smtClean="0">
+                <a:latin typeface="Times New Roman" panose="02020603050405020304" pitchFamily="18" charset="0"/>
+                <a:cs typeface="Times New Roman" panose="02020603050405020304" pitchFamily="18" charset="0"/>
+              </a:rPr>
+              <a:t>Источник: Отчет. ПП.01</a:t>
+            </a:r>
+          </a:p>
+          <a:p>
+            <a:r>
+              <a:rPr lang="ru-RU" dirty="0" smtClean="0">
+                <a:latin typeface="Times New Roman" panose="02020603050405020304" pitchFamily="18" charset="0"/>
+                <a:cs typeface="Times New Roman" panose="02020603050405020304" pitchFamily="18" charset="0"/>
+              </a:rPr>
+              <a:t>Раздел 2.3. Отладка</a:t>
+            </a:r>
+          </a:p>
+        </p:txBody>
+      </p:sp>
     </p:spTree>
     <p:extLst>
       <p:ext uri="{BB962C8B-B14F-4D97-AF65-F5344CB8AC3E}">
@@ -5826,8 +7098,101 @@
         </p:blipFill>
         <p:spPr>
           <a:xfrm>
-            <a:off x="4384528" y="1325562"/>
+            <a:off x="7663437" y="1325563"/>
             <a:ext cx="3422945" cy="5278437"/>
+          </a:xfrm>
+          <a:prstGeom prst="rect">
+            <a:avLst/>
+          </a:prstGeom>
+        </p:spPr>
+      </p:pic>
+      <p:pic>
+        <p:nvPicPr>
+          <p:cNvPr id="3" name="Рисунок 2"/>
+          <p:cNvPicPr>
+            <a:picLocks noChangeAspect="1"/>
+          </p:cNvPicPr>
+          <p:nvPr/>
+        </p:nvPicPr>
+        <p:blipFill>
+          <a:blip r:embed="rId3"/>
+          <a:stretch>
+            <a:fillRect/>
+          </a:stretch>
+        </p:blipFill>
+        <p:spPr>
+          <a:xfrm>
+            <a:off x="3792583" y="1325563"/>
+            <a:ext cx="3870854" cy="5278437"/>
+          </a:xfrm>
+          <a:prstGeom prst="rect">
+            <a:avLst/>
+          </a:prstGeom>
+        </p:spPr>
+      </p:pic>
+      <p:sp>
+        <p:nvSpPr>
+          <p:cNvPr id="5" name="TextBox 4"/>
+          <p:cNvSpPr txBox="1"/>
+          <p:nvPr/>
+        </p:nvSpPr>
+        <p:spPr>
+          <a:xfrm>
+            <a:off x="838199" y="1789202"/>
+            <a:ext cx="2561214" cy="646331"/>
+          </a:xfrm>
+          <a:prstGeom prst="rect">
+            <a:avLst/>
+          </a:prstGeom>
+          <a:noFill/>
+        </p:spPr>
+        <p:txBody>
+          <a:bodyPr wrap="none" rtlCol="0">
+            <a:spAutoFit/>
+          </a:bodyPr>
+          <a:lstStyle/>
+          <a:p>
+            <a:r>
+              <a:rPr lang="ru-RU" dirty="0" smtClean="0">
+                <a:latin typeface="Times New Roman" panose="02020603050405020304" pitchFamily="18" charset="0"/>
+                <a:cs typeface="Times New Roman" panose="02020603050405020304" pitchFamily="18" charset="0"/>
+              </a:rPr>
+              <a:t>Источник: Отчет. УП.01</a:t>
+            </a:r>
+          </a:p>
+          <a:p>
+            <a:r>
+              <a:rPr lang="ru-RU" dirty="0" smtClean="0">
+                <a:latin typeface="Times New Roman" panose="02020603050405020304" pitchFamily="18" charset="0"/>
+                <a:cs typeface="Times New Roman" panose="02020603050405020304" pitchFamily="18" charset="0"/>
+              </a:rPr>
+              <a:t>Раздел 2.5</a:t>
+            </a:r>
+            <a:endParaRPr lang="ru-RU" dirty="0">
+              <a:latin typeface="Times New Roman" panose="02020603050405020304" pitchFamily="18" charset="0"/>
+              <a:cs typeface="Times New Roman" panose="02020603050405020304" pitchFamily="18" charset="0"/>
+            </a:endParaRPr>
+          </a:p>
+        </p:txBody>
+      </p:sp>
+      <p:pic>
+        <p:nvPicPr>
+          <p:cNvPr id="6" name="Рисунок 5"/>
+          <p:cNvPicPr>
+            <a:picLocks noChangeAspect="1"/>
+          </p:cNvPicPr>
+          <p:nvPr/>
+        </p:nvPicPr>
+        <p:blipFill>
+          <a:blip r:embed="rId4"/>
+          <a:stretch>
+            <a:fillRect/>
+          </a:stretch>
+        </p:blipFill>
+        <p:spPr>
+          <a:xfrm>
+            <a:off x="334625" y="2899172"/>
+            <a:ext cx="3568363" cy="2131219"/>
           </a:xfrm>
           <a:prstGeom prst="rect">
             <a:avLst/>
@@ -6106,4 +7471,265 @@
     </a:ext>
   </a:extLst>
 </a:theme>
+</file>
+
+<file path=ppt/theme/theme2.xml><?xml version="1.0" encoding="utf-8"?>
+<a:theme xmlns:a="http://schemas.openxmlformats.org/drawingml/2006/main" name="Тема Office">
+  <a:themeElements>
+    <a:clrScheme name="Стандартная">
+      <a:dk1>
+        <a:sysClr val="windowText" lastClr="000000"/>
+      </a:dk1>
+      <a:lt1>
+        <a:sysClr val="window" lastClr="FFFFFF"/>
+      </a:lt1>
+      <a:dk2>
+        <a:srgbClr val="44546A"/>
+      </a:dk2>
+      <a:lt2>
+        <a:srgbClr val="E7E6E6"/>
+      </a:lt2>
+      <a:accent1>
+        <a:srgbClr val="5B9BD5"/>
+      </a:accent1>
+      <a:accent2>
+        <a:srgbClr val="ED7D31"/>
+      </a:accent2>
+      <a:accent3>
+        <a:srgbClr val="A5A5A5"/>
+      </a:accent3>
+      <a:accent4>
+        <a:srgbClr val="FFC000"/>
+      </a:accent4>
+      <a:accent5>
+        <a:srgbClr val="4472C4"/>
+      </a:accent5>
+      <a:accent6>
+        <a:srgbClr val="70AD47"/>
+      </a:accent6>
+      <a:hlink>
+        <a:srgbClr val="0563C1"/>
+      </a:hlink>
+      <a:folHlink>
+        <a:srgbClr val="954F72"/>
+      </a:folHlink>
+    </a:clrScheme>
+    <a:fontScheme name="Стандартная">
+      <a:majorFont>
+        <a:latin typeface="Calibri Light" panose="020F0302020204030204"/>
+        <a:ea typeface=""/>
+        <a:cs typeface=""/>
+        <a:font script="Jpan" typeface="游ゴシック Light"/>
+        <a:font script="Hang" typeface="맑은 고딕"/>
+        <a:font script="Hans" typeface="等线 Light"/>
+        <a:font script="Hant" typeface="新細明體"/>
+        <a:font script="Arab" typeface="Times New Roman"/>
+        <a:font script="Hebr" typeface="Times New Roman"/>
+        <a:font script="Thai" typeface="Angsana New"/>
+        <a:font script="Ethi" typeface="Nyala"/>
+        <a:font script="Beng" typeface="Vrinda"/>
+        <a:font script="Gujr" typeface="Shruti"/>
+        <a:font script="Khmr" typeface="MoolBoran"/>
+        <a:font script="Knda" typeface="Tunga"/>
+        <a:font script="Guru" typeface="Raavi"/>
+        <a:font script="Cans" typeface="Euphemia"/>
+        <a:font script="Cher" typeface="Plantagenet Cherokee"/>
+        <a:font script="Yiii" typeface="Microsoft Yi Baiti"/>
+        <a:font script="Tibt" typeface="Microsoft Himalaya"/>
+        <a:font script="Thaa" typeface="MV Boli"/>
+        <a:font script="Deva" typeface="Mangal"/>
+        <a:font script="Telu" typeface="Gautami"/>
+        <a:font script="Taml" typeface="Latha"/>
+        <a:font script="Syrc" typeface="Estrangelo Edessa"/>
+        <a:font script="Orya" typeface="Kalinga"/>
+        <a:font script="Mlym" typeface="Kartika"/>
+        <a:font script="Laoo" typeface="DokChampa"/>
+        <a:font script="Sinh" typeface="Iskoola Pota"/>
+        <a:font script="Mong" typeface="Mongolian Baiti"/>
+        <a:font script="Viet" typeface="Times New Roman"/>
+        <a:font script="Uigh" typeface="Microsoft Uighur"/>
+        <a:font script="Geor" typeface="Sylfaen"/>
+      </a:majorFont>
+      <a:minorFont>
+        <a:latin typeface="Calibri" panose="020F0502020204030204"/>
+        <a:ea typeface=""/>
+        <a:cs typeface=""/>
+        <a:font script="Jpan" typeface="游ゴシック"/>
+        <a:font script="Hang" typeface="맑은 고딕"/>
+        <a:font script="Hans" typeface="等线"/>
+        <a:font script="Hant" typeface="新細明體"/>
+        <a:font script="Arab" typeface="Arial"/>
+        <a:font script="Hebr" typeface="Arial"/>
+        <a:font script="Thai" typeface="Cordia New"/>
+        <a:font script="Ethi" typeface="Nyala"/>
+        <a:font script="Beng" typeface="Vrinda"/>
+        <a:font script="Gujr" typeface="Shruti"/>
+        <a:font script="Khmr" typeface="DaunPenh"/>
+        <a:font script="Knda" typeface="Tunga"/>
+        <a:font script="Guru" typeface="Raavi"/>
+        <a:font script="Cans" typeface="Euphemia"/>
+        <a:font script="Cher" typeface="Plantagenet Cherokee"/>
+        <a:font script="Yiii" typeface="Microsoft Yi Baiti"/>
+        <a:font script="Tibt" typeface="Microsoft Himalaya"/>
+        <a:font script="Thaa" typeface="MV Boli"/>
+        <a:font script="Deva" typeface="Mangal"/>
+        <a:font script="Telu" typeface="Gautami"/>
+        <a:font script="Taml" typeface="Latha"/>
+        <a:font script="Syrc" typeface="Estrangelo Edessa"/>
+        <a:font script="Orya" typeface="Kalinga"/>
+        <a:font script="Mlym" typeface="Kartika"/>
+        <a:font script="Laoo" typeface="DokChampa"/>
+        <a:font script="Sinh" typeface="Iskoola Pota"/>
+        <a:font script="Mong" typeface="Mongolian Baiti"/>
+        <a:font script="Viet" typeface="Arial"/>
+        <a:font script="Uigh" typeface="Microsoft Uighur"/>
+        <a:font script="Geor" typeface="Sylfaen"/>
+      </a:minorFont>
+    </a:fontScheme>
+    <a:fmtScheme name="Стандартная">
+      <a:fillStyleLst>
+        <a:solidFill>
+          <a:schemeClr val="phClr"/>
+        </a:solidFill>
+        <a:gradFill rotWithShape="1">
+          <a:gsLst>
+            <a:gs pos="0">
+              <a:schemeClr val="phClr">
+                <a:lumMod val="110000"/>
+                <a:satMod val="105000"/>
+                <a:tint val="67000"/>
+              </a:schemeClr>
+            </a:gs>
+            <a:gs pos="50000">
+              <a:schemeClr val="phClr">
+                <a:lumMod val="105000"/>
+                <a:satMod val="103000"/>
+                <a:tint val="73000"/>
+              </a:schemeClr>
+            </a:gs>
+            <a:gs pos="100000">
+              <a:schemeClr val="phClr">
+                <a:lumMod val="105000"/>
+                <a:satMod val="109000"/>
+                <a:tint val="81000"/>
+              </a:schemeClr>
+            </a:gs>
+          </a:gsLst>
+          <a:lin ang="5400000" scaled="0"/>
+        </a:gradFill>
+        <a:gradFill rotWithShape="1">
+          <a:gsLst>
+            <a:gs pos="0">
+              <a:schemeClr val="phClr">
+                <a:satMod val="103000"/>
+                <a:lumMod val="102000"/>
+                <a:tint val="94000"/>
+              </a:schemeClr>
+            </a:gs>
+            <a:gs pos="50000">
+              <a:schemeClr val="phClr">
+                <a:satMod val="110000"/>
+                <a:lumMod val="100000"/>
+                <a:shade val="100000"/>
+              </a:schemeClr>
+            </a:gs>
+            <a:gs pos="100000">
+              <a:schemeClr val="phClr">
+                <a:lumMod val="99000"/>
+                <a:satMod val="120000"/>
+                <a:shade val="78000"/>
+              </a:schemeClr>
+            </a:gs>
+          </a:gsLst>
+          <a:lin ang="5400000" scaled="0"/>
+        </a:gradFill>
+      </a:fillStyleLst>
+      <a:lnStyleLst>
+        <a:ln w="6350" cap="flat" cmpd="sng" algn="ctr">
+          <a:solidFill>
+            <a:schemeClr val="phClr"/>
+          </a:solidFill>
+          <a:prstDash val="solid"/>
+          <a:miter lim="800000"/>
+        </a:ln>
+        <a:ln w="12700" cap="flat" cmpd="sng" algn="ctr">
+          <a:solidFill>
+            <a:schemeClr val="phClr"/>
+          </a:solidFill>
+          <a:prstDash val="solid"/>
+          <a:miter lim="800000"/>
+        </a:ln>
+        <a:ln w="19050" cap="flat" cmpd="sng" algn="ctr">
+          <a:solidFill>
+            <a:schemeClr val="phClr"/>
+          </a:solidFill>
+          <a:prstDash val="solid"/>
+          <a:miter lim="800000"/>
+        </a:ln>
+      </a:lnStyleLst>
+      <a:effectStyleLst>
+        <a:effectStyle>
+          <a:effectLst/>
+        </a:effectStyle>
+        <a:effectStyle>
+          <a:effectLst/>
+        </a:effectStyle>
+        <a:effectStyle>
+          <a:effectLst>
+            <a:outerShdw blurRad="57150" dist="19050" dir="5400000" algn="ctr" rotWithShape="0">
+              <a:srgbClr val="000000">
+                <a:alpha val="63000"/>
+              </a:srgbClr>
+            </a:outerShdw>
+          </a:effectLst>
+        </a:effectStyle>
+      </a:effectStyleLst>
+      <a:bgFillStyleLst>
+        <a:solidFill>
+          <a:schemeClr val="phClr"/>
+        </a:solidFill>
+        <a:solidFill>
+          <a:schemeClr val="phClr">
+            <a:tint val="95000"/>
+            <a:satMod val="170000"/>
+          </a:schemeClr>
+        </a:solidFill>
+        <a:gradFill rotWithShape="1">
+          <a:gsLst>
+            <a:gs pos="0">
+              <a:schemeClr val="phClr">
+                <a:tint val="93000"/>
+                <a:satMod val="150000"/>
+                <a:shade val="98000"/>
+                <a:lumMod val="102000"/>
+              </a:schemeClr>
+            </a:gs>
+            <a:gs pos="50000">
+              <a:schemeClr val="phClr">
+                <a:tint val="98000"/>
+                <a:satMod val="130000"/>
+                <a:shade val="90000"/>
+                <a:lumMod val="103000"/>
+              </a:schemeClr>
+            </a:gs>
+            <a:gs pos="100000">
+              <a:schemeClr val="phClr">
+                <a:shade val="63000"/>
+                <a:satMod val="120000"/>
+              </a:schemeClr>
+            </a:gs>
+          </a:gsLst>
+          <a:lin ang="5400000" scaled="0"/>
+        </a:gradFill>
+      </a:bgFillStyleLst>
+    </a:fmtScheme>
+  </a:themeElements>
+  <a:objectDefaults/>
+  <a:extraClrSchemeLst/>
+  <a:extLst>
+    <a:ext uri="{05A4C25C-085E-4340-85A3-A5531E510DB2}">
+      <thm15:themeFamily xmlns:thm15="http://schemas.microsoft.com/office/thememl/2012/main" name="Office Theme" id="{62F939B6-93AF-4DB8-9C6B-D6C7DFDC589F}" vid="{4A3C46E8-61CC-4603-A589-7422A47A8E4A}"/>
+    </a:ext>
+  </a:extLst>
+</a:theme>
 </file>